--- a/NodeJS/lesson_30/Presentation/express.pptx
+++ b/NodeJS/lesson_30/Presentation/express.pptx
@@ -5,7 +5,7 @@
     <p:sldMasterId id="2147483662" r:id="rId1"/>
   </p:sldMasterIdLst>
   <p:notesMasterIdLst>
-    <p:notesMasterId r:id="rId8"/>
+    <p:notesMasterId r:id="rId7"/>
   </p:notesMasterIdLst>
   <p:sldIdLst>
     <p:sldId id="257" r:id="rId2"/>
@@ -13,7 +13,6 @@
     <p:sldId id="260" r:id="rId4"/>
     <p:sldId id="261" r:id="rId5"/>
     <p:sldId id="259" r:id="rId6"/>
-    <p:sldId id="262" r:id="rId7"/>
   </p:sldIdLst>
   <p:sldSz cx="9144000" cy="6858000" type="screen4x3"/>
   <p:notesSz cx="6858000" cy="9144000"/>
@@ -112,6 +111,22 @@
       </a:defRPr>
     </a:lvl9pPr>
   </p:defaultTextStyle>
+  <p:extLst>
+    <p:ext uri="{EFAFB233-063F-42B5-8137-9DF3F51BA10A}">
+      <p15:sldGuideLst xmlns:p15="http://schemas.microsoft.com/office/powerpoint/2012/main">
+        <p15:guide id="1" orient="horz" pos="2160">
+          <p15:clr>
+            <a:srgbClr val="A4A3A4"/>
+          </p15:clr>
+        </p15:guide>
+        <p15:guide id="2" pos="2880">
+          <p15:clr>
+            <a:srgbClr val="A4A3A4"/>
+          </p15:clr>
+        </p15:guide>
+      </p15:sldGuideLst>
+    </p:ext>
+  </p:extLst>
 </p:presentation>
 </file>
 
@@ -198,7 +213,7 @@
             <a:fld id="{2C948F01-0A59-4841-99A8-7B5AC0E5F12E}" type="datetimeFigureOut">
               <a:rPr lang="uk-UA" smtClean="0"/>
               <a:pPr/>
-              <a:t>18.09.2016</a:t>
+              <a:t>30.09.2016</a:t>
             </a:fld>
             <a:endParaRPr lang="uk-UA"/>
           </a:p>
@@ -264,35 +279,35 @@
           <a:p>
             <a:pPr lvl="0"/>
             <a:r>
-              <a:rPr lang="ru-RU" smtClean="0"/>
+              <a:rPr lang="ru-RU"/>
               <a:t>Образец текста</a:t>
             </a:r>
           </a:p>
           <a:p>
             <a:pPr lvl="1"/>
             <a:r>
-              <a:rPr lang="ru-RU" smtClean="0"/>
+              <a:rPr lang="ru-RU"/>
               <a:t>Второй уровень</a:t>
             </a:r>
           </a:p>
           <a:p>
             <a:pPr lvl="2"/>
             <a:r>
-              <a:rPr lang="ru-RU" smtClean="0"/>
+              <a:rPr lang="ru-RU"/>
               <a:t>Третий уровень</a:t>
             </a:r>
           </a:p>
           <a:p>
             <a:pPr lvl="3"/>
             <a:r>
-              <a:rPr lang="ru-RU" smtClean="0"/>
+              <a:rPr lang="ru-RU"/>
               <a:t>Четвертый уровень</a:t>
             </a:r>
           </a:p>
           <a:p>
             <a:pPr lvl="4"/>
             <a:r>
-              <a:rPr lang="ru-RU" smtClean="0"/>
+              <a:rPr lang="ru-RU"/>
               <a:t>Пятый уровень</a:t>
             </a:r>
             <a:endParaRPr lang="uk-UA"/>
@@ -601,10 +616,9 @@
           </a:lstStyle>
           <a:p>
             <a:r>
-              <a:rPr lang="en-US" dirty="0" smtClean="0"/>
+              <a:rPr lang="en-US" dirty="0"/>
               <a:t>title style</a:t>
             </a:r>
-            <a:endParaRPr lang="en-US" dirty="0"/>
           </a:p>
         </p:txBody>
       </p:sp>
@@ -724,7 +738,7 @@
           </a:lstStyle>
           <a:p>
             <a:r>
-              <a:rPr lang="ru-RU" smtClean="0"/>
+              <a:rPr lang="ru-RU"/>
               <a:t>Образец подзаголовка</a:t>
             </a:r>
             <a:endParaRPr lang="en-US" dirty="0"/>
@@ -1053,20 +1067,13 @@
     </p:spTree>
     <p:extLst>
       <p:ext uri="{BB962C8B-B14F-4D97-AF65-F5344CB8AC3E}">
-        <p14:creationId xmlns:p14="http://schemas.microsoft.com/office/powerpoint/2010/main" xmlns="" val="3537187278"/>
+        <p14:creationId xmlns:p14="http://schemas.microsoft.com/office/powerpoint/2010/main" val="3537187278"/>
       </p:ext>
     </p:extLst>
   </p:cSld>
   <p:clrMapOvr>
     <a:overrideClrMapping bg1="lt1" tx1="dk1" bg2="lt2" tx2="dk2" accent1="accent1" accent2="accent2" accent3="accent3" accent4="accent4" accent5="accent5" accent6="accent6" hlink="hlink" folHlink="folHlink"/>
   </p:clrMapOvr>
-  <p:timing>
-    <p:tnLst>
-      <p:par>
-        <p:cTn id="1" dur="indefinite" restart="never" nodeType="tmRoot"/>
-      </p:par>
-    </p:tnLst>
-  </p:timing>
 </p:sldLayout>
 </file>
 
@@ -1099,7 +1106,7 @@
           <a:blip r:embed="rId2" cstate="print">
             <a:extLst>
               <a:ext uri="{28A0092B-C50C-407E-A947-70E740481C1C}">
-                <a14:useLocalDpi xmlns:a14="http://schemas.microsoft.com/office/drawing/2010/main" xmlns="" val="0"/>
+                <a14:useLocalDpi xmlns:a14="http://schemas.microsoft.com/office/drawing/2010/main" val="0"/>
               </a:ext>
             </a:extLst>
           </a:blip>
@@ -1123,14 +1130,14 @@
           <a:effectLst/>
           <a:extLst>
             <a:ext uri="{909E8E84-426E-40DD-AFC4-6F175D3DCCD1}">
-              <a14:hiddenFill xmlns:a14="http://schemas.microsoft.com/office/drawing/2010/main" xmlns="">
+              <a14:hiddenFill xmlns:a14="http://schemas.microsoft.com/office/drawing/2010/main">
                 <a:solidFill>
                   <a:schemeClr val="accent1"/>
                 </a:solidFill>
               </a14:hiddenFill>
             </a:ext>
             <a:ext uri="{91240B29-F687-4F45-9708-019B960494DF}">
-              <a14:hiddenLine xmlns:a14="http://schemas.microsoft.com/office/drawing/2010/main" xmlns="" w="9525">
+              <a14:hiddenLine xmlns:a14="http://schemas.microsoft.com/office/drawing/2010/main" w="9525">
                 <a:solidFill>
                   <a:schemeClr val="tx1"/>
                 </a:solidFill>
@@ -1140,7 +1147,7 @@
               </a14:hiddenLine>
             </a:ext>
             <a:ext uri="{AF507438-7753-43E0-B8FC-AC1667EBCBE1}">
-              <a14:hiddenEffects xmlns:a14="http://schemas.microsoft.com/office/drawing/2010/main" xmlns="">
+              <a14:hiddenEffects xmlns:a14="http://schemas.microsoft.com/office/drawing/2010/main">
                 <a:effectLst>
                   <a:outerShdw dist="35921" dir="2700000" algn="ctr" rotWithShape="0">
                     <a:schemeClr val="bg2"/>
@@ -1235,7 +1242,7 @@
           </a:lstStyle>
           <a:p>
             <a:r>
-              <a:rPr lang="ru-RU" smtClean="0"/>
+              <a:rPr lang="ru-RU"/>
               <a:t>Образец заголовка</a:t>
             </a:r>
             <a:endParaRPr lang="en-US" dirty="0"/>
@@ -1272,7 +1279,7 @@
           <a:p>
             <a:pPr lvl="4"/>
             <a:r>
-              <a:rPr lang="en-US" dirty="0" smtClean="0"/>
+              <a:rPr lang="en-US" dirty="0"/>
               <a:t>Subtitle</a:t>
             </a:r>
           </a:p>
@@ -1281,20 +1288,13 @@
     </p:spTree>
     <p:extLst>
       <p:ext uri="{BB962C8B-B14F-4D97-AF65-F5344CB8AC3E}">
-        <p14:creationId xmlns:p14="http://schemas.microsoft.com/office/powerpoint/2010/main" xmlns="" val="2097366919"/>
+        <p14:creationId xmlns:p14="http://schemas.microsoft.com/office/powerpoint/2010/main" val="2097366919"/>
       </p:ext>
     </p:extLst>
   </p:cSld>
   <p:clrMapOvr>
     <a:masterClrMapping/>
   </p:clrMapOvr>
-  <p:timing>
-    <p:tnLst>
-      <p:par>
-        <p:cTn id="1" dur="indefinite" restart="never" nodeType="tmRoot"/>
-      </p:par>
-    </p:tnLst>
-  </p:timing>
 </p:sldLayout>
 </file>
 
@@ -1353,10 +1353,9 @@
           </a:lstStyle>
           <a:p>
             <a:r>
-              <a:rPr lang="en-US" dirty="0" smtClean="0"/>
+              <a:rPr lang="en-US" dirty="0"/>
               <a:t>title style</a:t>
             </a:r>
-            <a:endParaRPr lang="en-US" dirty="0"/>
           </a:p>
         </p:txBody>
       </p:sp>
@@ -1476,10 +1475,9 @@
           </a:lstStyle>
           <a:p>
             <a:r>
-              <a:rPr lang="en-US" dirty="0" smtClean="0"/>
+              <a:rPr lang="en-US" dirty="0"/>
               <a:t>Click to edit Master subtitle style</a:t>
             </a:r>
-            <a:endParaRPr lang="en-US" dirty="0"/>
           </a:p>
         </p:txBody>
       </p:sp>
@@ -1805,20 +1803,13 @@
     </p:spTree>
     <p:extLst>
       <p:ext uri="{BB962C8B-B14F-4D97-AF65-F5344CB8AC3E}">
-        <p14:creationId xmlns:p14="http://schemas.microsoft.com/office/powerpoint/2010/main" xmlns="" val="3537187278"/>
+        <p14:creationId xmlns:p14="http://schemas.microsoft.com/office/powerpoint/2010/main" val="3537187278"/>
       </p:ext>
     </p:extLst>
   </p:cSld>
   <p:clrMapOvr>
     <a:overrideClrMapping bg1="lt1" tx1="dk1" bg2="lt2" tx2="dk2" accent1="accent1" accent2="accent2" accent3="accent3" accent4="accent4" accent5="accent5" accent6="accent6" hlink="hlink" folHlink="folHlink"/>
   </p:clrMapOvr>
-  <p:timing>
-    <p:tnLst>
-      <p:par>
-        <p:cTn id="1" dur="indefinite" restart="never" nodeType="tmRoot"/>
-      </p:par>
-    </p:tnLst>
-  </p:timing>
 </p:sldLayout>
 </file>
 
@@ -1851,7 +1842,7 @@
           <a:blip r:embed="rId2" cstate="print">
             <a:extLst>
               <a:ext uri="{28A0092B-C50C-407E-A947-70E740481C1C}">
-                <a14:useLocalDpi xmlns:a14="http://schemas.microsoft.com/office/drawing/2010/main" xmlns="" val="0"/>
+                <a14:useLocalDpi xmlns:a14="http://schemas.microsoft.com/office/drawing/2010/main" val="0"/>
               </a:ext>
             </a:extLst>
           </a:blip>
@@ -1875,14 +1866,14 @@
           <a:effectLst/>
           <a:extLst>
             <a:ext uri="{909E8E84-426E-40DD-AFC4-6F175D3DCCD1}">
-              <a14:hiddenFill xmlns:a14="http://schemas.microsoft.com/office/drawing/2010/main" xmlns="">
+              <a14:hiddenFill xmlns:a14="http://schemas.microsoft.com/office/drawing/2010/main">
                 <a:solidFill>
                   <a:schemeClr val="accent1"/>
                 </a:solidFill>
               </a14:hiddenFill>
             </a:ext>
             <a:ext uri="{91240B29-F687-4F45-9708-019B960494DF}">
-              <a14:hiddenLine xmlns:a14="http://schemas.microsoft.com/office/drawing/2010/main" xmlns="" w="9525">
+              <a14:hiddenLine xmlns:a14="http://schemas.microsoft.com/office/drawing/2010/main" w="9525">
                 <a:solidFill>
                   <a:schemeClr val="tx1"/>
                 </a:solidFill>
@@ -1892,7 +1883,7 @@
               </a14:hiddenLine>
             </a:ext>
             <a:ext uri="{AF507438-7753-43E0-B8FC-AC1667EBCBE1}">
-              <a14:hiddenEffects xmlns:a14="http://schemas.microsoft.com/office/drawing/2010/main" xmlns="">
+              <a14:hiddenEffects xmlns:a14="http://schemas.microsoft.com/office/drawing/2010/main">
                 <a:effectLst>
                   <a:outerShdw dist="35921" dir="2700000" algn="ctr" rotWithShape="0">
                     <a:schemeClr val="bg2"/>
@@ -1987,10 +1978,9 @@
           </a:lstStyle>
           <a:p>
             <a:r>
-              <a:rPr lang="en-US" dirty="0" smtClean="0"/>
+              <a:rPr lang="en-US" dirty="0"/>
               <a:t>Click to edit Master title style</a:t>
             </a:r>
-            <a:endParaRPr lang="en-US" dirty="0"/>
           </a:p>
         </p:txBody>
       </p:sp>
@@ -2024,7 +2014,7 @@
           <a:p>
             <a:pPr lvl="4"/>
             <a:r>
-              <a:rPr lang="en-US" dirty="0" smtClean="0"/>
+              <a:rPr lang="en-US" dirty="0"/>
               <a:t>Subtitle</a:t>
             </a:r>
           </a:p>
@@ -2033,20 +2023,13 @@
     </p:spTree>
     <p:extLst>
       <p:ext uri="{BB962C8B-B14F-4D97-AF65-F5344CB8AC3E}">
-        <p14:creationId xmlns:p14="http://schemas.microsoft.com/office/powerpoint/2010/main" xmlns="" val="2097366919"/>
+        <p14:creationId xmlns:p14="http://schemas.microsoft.com/office/powerpoint/2010/main" val="2097366919"/>
       </p:ext>
     </p:extLst>
   </p:cSld>
   <p:clrMapOvr>
     <a:masterClrMapping/>
   </p:clrMapOvr>
-  <p:timing>
-    <p:tnLst>
-      <p:par>
-        <p:cTn id="1" dur="indefinite" restart="never" nodeType="tmRoot"/>
-      </p:par>
-    </p:tnLst>
-  </p:timing>
 </p:sldLayout>
 </file>
 
@@ -2098,7 +2081,7 @@
           <a:lstStyle/>
           <a:p>
             <a:r>
-              <a:rPr lang="ru-RU" smtClean="0"/>
+              <a:rPr lang="ru-RU"/>
               <a:t>Образец заголовка</a:t>
             </a:r>
             <a:endParaRPr lang="en-US"/>
@@ -2108,7 +2091,7 @@
     </p:spTree>
     <p:extLst>
       <p:ext uri="{BB962C8B-B14F-4D97-AF65-F5344CB8AC3E}">
-        <p14:creationId xmlns:p14="http://schemas.microsoft.com/office/powerpoint/2010/main" xmlns="" val="779007194"/>
+        <p14:creationId xmlns:p14="http://schemas.microsoft.com/office/powerpoint/2010/main" val="779007194"/>
       </p:ext>
     </p:extLst>
   </p:cSld>
@@ -2119,13 +2102,6 @@
     <p:sldLayoutId id="2147483665" r:id="rId3"/>
     <p:sldLayoutId id="2147483666" r:id="rId4"/>
   </p:sldLayoutIdLst>
-  <p:timing>
-    <p:tnLst>
-      <p:par>
-        <p:cTn id="1" dur="indefinite" restart="never" nodeType="tmRoot"/>
-      </p:par>
-    </p:tnLst>
-  </p:timing>
   <p:txStyles>
     <p:titleStyle>
       <a:lvl1pPr algn="ctr" defTabSz="914400" rtl="0" eaLnBrk="1" latinLnBrk="0" hangingPunct="1">
@@ -2467,7 +2443,7 @@
           <a:lstStyle/>
           <a:p>
             <a:r>
-              <a:rPr lang="en-US" sz="2700" dirty="0" err="1" smtClean="0">
+              <a:rPr lang="en-US" sz="2700" dirty="0" err="1">
                 <a:solidFill>
                   <a:schemeClr val="bg1"/>
                 </a:solidFill>
@@ -2511,7 +2487,7 @@
           <a:lstStyle/>
           <a:p>
             <a:r>
-              <a:rPr lang="ru-RU" sz="4400" dirty="0" smtClean="0">
+              <a:rPr lang="ru-RU" sz="4400" dirty="0">
                 <a:solidFill>
                   <a:srgbClr val="7564BC"/>
                 </a:solidFill>
@@ -2520,7 +2496,7 @@
               <a:t>Фреймворк </a:t>
             </a:r>
             <a:r>
-              <a:rPr lang="en-US" sz="4400" dirty="0" smtClean="0">
+              <a:rPr lang="en-US" sz="4400" dirty="0">
                 <a:solidFill>
                   <a:srgbClr val="7564BC"/>
                 </a:solidFill>
@@ -2652,7 +2628,7 @@
           </a:lstStyle>
           <a:p>
             <a:r>
-              <a:rPr lang="en-US" sz="3200" b="1" dirty="0" smtClean="0">
+              <a:rPr lang="en-US" sz="3200" b="1" dirty="0">
                 <a:solidFill>
                   <a:schemeClr val="tx1">
                     <a:lumMod val="90000"/>
@@ -2665,17 +2641,6 @@
               </a:rPr>
               <a:t>Node JS</a:t>
             </a:r>
-            <a:endParaRPr lang="en-US" sz="3200" b="1" dirty="0">
-              <a:solidFill>
-                <a:schemeClr val="tx1">
-                  <a:lumMod val="90000"/>
-                  <a:lumOff val="10000"/>
-                </a:schemeClr>
-              </a:solidFill>
-              <a:latin typeface="Calibri" pitchFamily="34" charset="0"/>
-              <a:ea typeface="Roboto Light" panose="02000000000000000000" pitchFamily="2" charset="0"/>
-              <a:cs typeface="Roboto Light" panose="02000000000000000000" pitchFamily="2" charset="0"/>
-            </a:endParaRPr>
           </a:p>
         </p:txBody>
       </p:sp>
@@ -2706,20 +2671,13 @@
     </p:spTree>
     <p:extLst>
       <p:ext uri="{BB962C8B-B14F-4D97-AF65-F5344CB8AC3E}">
-        <p14:creationId xmlns:p14="http://schemas.microsoft.com/office/powerpoint/2010/main" xmlns="" val="3436223543"/>
+        <p14:creationId xmlns:p14="http://schemas.microsoft.com/office/powerpoint/2010/main" val="3436223543"/>
       </p:ext>
     </p:extLst>
   </p:cSld>
   <p:clrMapOvr>
     <a:masterClrMapping/>
   </p:clrMapOvr>
-  <p:timing>
-    <p:tnLst>
-      <p:par>
-        <p:cTn id="1" dur="indefinite" restart="never" nodeType="tmRoot"/>
-      </p:par>
-    </p:tnLst>
-  </p:timing>
 </p:sld>
 </file>
 
@@ -2756,13 +2714,13 @@
           <a:lstStyle/>
           <a:p>
             <a:r>
-              <a:rPr lang="ru-RU" dirty="0" smtClean="0">
+              <a:rPr lang="ru-RU" dirty="0">
                 <a:latin typeface="Calibri" pitchFamily="34" charset="0"/>
               </a:rPr>
               <a:t>Введение в </a:t>
             </a:r>
             <a:r>
-              <a:rPr lang="en-US" dirty="0" smtClean="0">
+              <a:rPr lang="en-US" dirty="0">
                 <a:latin typeface="Calibri" pitchFamily="34" charset="0"/>
               </a:rPr>
               <a:t>express</a:t>
@@ -2826,16 +2784,10 @@
               <a:buChar char="•"/>
             </a:pPr>
             <a:r>
-              <a:rPr lang="ru-RU" dirty="0" smtClean="0">
-                <a:latin typeface="Calibri" pitchFamily="34" charset="0"/>
-              </a:rPr>
-              <a:t> Express </a:t>
-            </a:r>
-            <a:r>
               <a:rPr lang="ru-RU" dirty="0">
                 <a:latin typeface="Calibri" pitchFamily="34" charset="0"/>
               </a:rPr>
-              <a:t>- это </a:t>
+              <a:t> Express - это </a:t>
             </a:r>
             <a:r>
               <a:rPr lang="ru-RU" dirty="0" err="1">
@@ -2880,61 +2832,55 @@
               <a:t> </a:t>
             </a:r>
             <a:r>
-              <a:rPr lang="uk-UA" dirty="0" err="1" smtClean="0">
+              <a:rPr lang="uk-UA" dirty="0" err="1">
                 <a:latin typeface="Calibri" pitchFamily="34" charset="0"/>
               </a:rPr>
               <a:t>построенн</a:t>
             </a:r>
             <a:r>
-              <a:rPr lang="ru-RU" dirty="0" err="1" smtClean="0">
+              <a:rPr lang="ru-RU" dirty="0" err="1">
                 <a:latin typeface="Calibri" pitchFamily="34" charset="0"/>
               </a:rPr>
               <a:t>ый</a:t>
             </a:r>
             <a:r>
-              <a:rPr lang="uk-UA" dirty="0" smtClean="0">
+              <a:rPr lang="uk-UA" dirty="0">
+                <a:latin typeface="Calibri" pitchFamily="34" charset="0"/>
+              </a:rPr>
+              <a:t> на </a:t>
+            </a:r>
+            <a:r>
+              <a:rPr lang="uk-UA" dirty="0" err="1">
+                <a:latin typeface="Calibri" pitchFamily="34" charset="0"/>
+              </a:rPr>
+              <a:t>базе</a:t>
+            </a:r>
+            <a:r>
+              <a:rPr lang="uk-UA" dirty="0">
+                <a:latin typeface="Calibri" pitchFamily="34" charset="0"/>
+              </a:rPr>
+              <a:t> </a:t>
+            </a:r>
+            <a:r>
+              <a:rPr lang="uk-UA" dirty="0" err="1">
+                <a:latin typeface="Calibri" pitchFamily="34" charset="0"/>
+              </a:rPr>
+              <a:t>фреймворка</a:t>
+            </a:r>
+            <a:r>
+              <a:rPr lang="uk-UA" dirty="0">
                 <a:latin typeface="Calibri" pitchFamily="34" charset="0"/>
               </a:rPr>
               <a:t> </a:t>
             </a:r>
             <a:r>
-              <a:rPr lang="uk-UA" dirty="0">
-                <a:latin typeface="Calibri" pitchFamily="34" charset="0"/>
-              </a:rPr>
-              <a:t>на </a:t>
-            </a:r>
-            <a:r>
-              <a:rPr lang="uk-UA" dirty="0" err="1">
-                <a:latin typeface="Calibri" pitchFamily="34" charset="0"/>
-              </a:rPr>
-              <a:t>базе</a:t>
-            </a:r>
-            <a:r>
-              <a:rPr lang="uk-UA" dirty="0">
-                <a:latin typeface="Calibri" pitchFamily="34" charset="0"/>
-              </a:rPr>
-              <a:t> </a:t>
-            </a:r>
-            <a:r>
-              <a:rPr lang="uk-UA" dirty="0" err="1" smtClean="0">
-                <a:latin typeface="Calibri" pitchFamily="34" charset="0"/>
-              </a:rPr>
-              <a:t>фреймворка</a:t>
-            </a:r>
-            <a:r>
-              <a:rPr lang="uk-UA" dirty="0" smtClean="0">
-                <a:latin typeface="Calibri" pitchFamily="34" charset="0"/>
-              </a:rPr>
-              <a:t> </a:t>
-            </a:r>
-            <a:r>
-              <a:rPr lang="en-US" dirty="0" smtClean="0">
+              <a:rPr lang="en-US" dirty="0">
                 <a:latin typeface="Calibri" pitchFamily="34" charset="0"/>
               </a:rPr>
               <a:t>connect</a:t>
             </a:r>
             <a:r>
-              <a:rPr lang="ru-RU" dirty="0" smtClean="0">
+              <a:rPr lang="ru-RU" dirty="0">
                 <a:latin typeface="Calibri" pitchFamily="34" charset="0"/>
               </a:rPr>
               <a:t>. </a:t>
@@ -2955,31 +2901,43 @@
               <a:buChar char="•"/>
             </a:pPr>
             <a:r>
-              <a:rPr lang="ru-RU" dirty="0" smtClean="0">
+              <a:rPr lang="ru-RU" dirty="0">
                 <a:latin typeface="Calibri" pitchFamily="34" charset="0"/>
               </a:rPr>
               <a:t> Основное предназначение </a:t>
             </a:r>
             <a:r>
-              <a:rPr lang="en-US" dirty="0" smtClean="0">
+              <a:rPr lang="en-US" dirty="0">
                 <a:latin typeface="Calibri" pitchFamily="34" charset="0"/>
               </a:rPr>
               <a:t>Express - </a:t>
             </a:r>
             <a:r>
-              <a:rPr lang="ru-RU" dirty="0" smtClean="0">
-                <a:latin typeface="Calibri" pitchFamily="34" charset="0"/>
-              </a:rPr>
-              <a:t>маршрутизация и промежуточная обработка с минимальной собственной функциональностью: приложение Express, по сути, представляет собой серию вызовов функций промежуточной обработки(</a:t>
-            </a:r>
-            <a:r>
-              <a:rPr lang="en-US" dirty="0" smtClean="0">
+              <a:rPr lang="ru-RU" dirty="0">
+                <a:latin typeface="Calibri" pitchFamily="34" charset="0"/>
+              </a:rPr>
+              <a:t>маршрутизация и промежуточная обработка с минимальной собственной функциональностью: приложение Express, по сути, представляет собой серию вызовов функций промежуточной обработки</a:t>
+            </a:r>
+            <a:r>
+              <a:rPr lang="en-US" dirty="0">
+                <a:latin typeface="Calibri" pitchFamily="34" charset="0"/>
+              </a:rPr>
+              <a:t> </a:t>
+            </a:r>
+            <a:r>
+              <a:rPr lang="ru-RU" dirty="0">
+                <a:latin typeface="Calibri" pitchFamily="34" charset="0"/>
+              </a:rPr>
+              <a:t>(</a:t>
+            </a:r>
+            <a:r>
+              <a:rPr lang="en-US" dirty="0">
                 <a:latin typeface="Calibri" pitchFamily="34" charset="0"/>
               </a:rPr>
               <a:t>middleware</a:t>
             </a:r>
             <a:r>
-              <a:rPr lang="ru-RU" dirty="0" smtClean="0">
+              <a:rPr lang="ru-RU" dirty="0">
                 <a:latin typeface="Calibri" pitchFamily="34" charset="0"/>
               </a:rPr>
               <a:t>). </a:t>
@@ -3034,13 +2992,13 @@
           <a:lstStyle/>
           <a:p>
             <a:r>
-              <a:rPr lang="en-US" dirty="0" smtClean="0">
+              <a:rPr lang="en-US" dirty="0">
                 <a:latin typeface="Calibri" pitchFamily="34" charset="0"/>
               </a:rPr>
               <a:t>Middleware-</a:t>
             </a:r>
             <a:r>
-              <a:rPr lang="ru-RU" dirty="0" smtClean="0">
+              <a:rPr lang="ru-RU" dirty="0">
                 <a:latin typeface="Calibri" pitchFamily="34" charset="0"/>
               </a:rPr>
               <a:t>функции </a:t>
@@ -3072,95 +3030,95 @@
           <a:lstStyle/>
           <a:p>
             <a:r>
-              <a:rPr lang="ru-RU" sz="1800" dirty="0" smtClean="0">
+              <a:rPr lang="ru-RU" sz="1800" dirty="0">
                 <a:latin typeface="Calibri" pitchFamily="34" charset="0"/>
               </a:rPr>
               <a:t>Функции </a:t>
             </a:r>
             <a:r>
-              <a:rPr lang="ru-RU" sz="1800" b="1" i="1" dirty="0" smtClean="0">
+              <a:rPr lang="ru-RU" sz="1800" b="1" i="1" dirty="0">
                 <a:latin typeface="Calibri" pitchFamily="34" charset="0"/>
               </a:rPr>
               <a:t>промежуточной обработки</a:t>
             </a:r>
             <a:r>
-              <a:rPr lang="ru-RU" sz="1800" dirty="0" smtClean="0">
+              <a:rPr lang="ru-RU" sz="1800" dirty="0">
                 <a:latin typeface="Calibri" pitchFamily="34" charset="0"/>
               </a:rPr>
               <a:t> (</a:t>
             </a:r>
             <a:r>
-              <a:rPr lang="ru-RU" sz="1800" dirty="0" err="1" smtClean="0">
+              <a:rPr lang="ru-RU" sz="1800" dirty="0" err="1">
                 <a:latin typeface="Calibri" pitchFamily="34" charset="0"/>
               </a:rPr>
               <a:t>middleware</a:t>
             </a:r>
             <a:r>
-              <a:rPr lang="ru-RU" sz="1800" dirty="0" smtClean="0">
+              <a:rPr lang="ru-RU" sz="1800" dirty="0">
                 <a:latin typeface="Calibri" pitchFamily="34" charset="0"/>
               </a:rPr>
               <a:t>) - это функции, имеющие доступ к объекту запроса (</a:t>
             </a:r>
             <a:r>
-              <a:rPr lang="ru-RU" sz="1800" b="1" dirty="0" err="1" smtClean="0">
+              <a:rPr lang="ru-RU" sz="1800" b="1" dirty="0" err="1">
                 <a:latin typeface="Calibri" pitchFamily="34" charset="0"/>
               </a:rPr>
               <a:t>req</a:t>
             </a:r>
             <a:r>
-              <a:rPr lang="ru-RU" sz="1800" dirty="0" smtClean="0">
+              <a:rPr lang="ru-RU" sz="1800" dirty="0">
                 <a:latin typeface="Calibri" pitchFamily="34" charset="0"/>
               </a:rPr>
               <a:t>), объекту ответа (</a:t>
             </a:r>
             <a:r>
-              <a:rPr lang="ru-RU" sz="1800" b="1" dirty="0" err="1" smtClean="0">
+              <a:rPr lang="ru-RU" sz="1800" b="1" dirty="0" err="1">
                 <a:latin typeface="Calibri" pitchFamily="34" charset="0"/>
               </a:rPr>
               <a:t>res</a:t>
             </a:r>
             <a:r>
-              <a:rPr lang="ru-RU" sz="1800" dirty="0" smtClean="0">
+              <a:rPr lang="ru-RU" sz="1800" dirty="0">
                 <a:latin typeface="Calibri" pitchFamily="34" charset="0"/>
               </a:rPr>
               <a:t>) и к следующей функции промежуточной обработки в цикле “запрос-ответ” приложения</a:t>
             </a:r>
             <a:r>
-              <a:rPr lang="en-US" sz="1800" dirty="0" smtClean="0">
+              <a:rPr lang="en-US" sz="1800" dirty="0">
                 <a:latin typeface="Calibri" pitchFamily="34" charset="0"/>
               </a:rPr>
               <a:t>(</a:t>
             </a:r>
             <a:r>
-              <a:rPr lang="en-US" sz="1800" b="1" dirty="0" smtClean="0">
+              <a:rPr lang="en-US" sz="1800" b="1" dirty="0">
                 <a:latin typeface="Calibri" pitchFamily="34" charset="0"/>
               </a:rPr>
               <a:t>next</a:t>
             </a:r>
             <a:r>
-              <a:rPr lang="en-US" sz="1800" dirty="0" smtClean="0">
+              <a:rPr lang="en-US" sz="1800" dirty="0">
                 <a:latin typeface="Calibri" pitchFamily="34" charset="0"/>
               </a:rPr>
               <a:t>)</a:t>
             </a:r>
             <a:r>
-              <a:rPr lang="ru-RU" sz="1800" dirty="0" smtClean="0">
+              <a:rPr lang="ru-RU" sz="1800" dirty="0">
                 <a:latin typeface="Calibri" pitchFamily="34" charset="0"/>
               </a:rPr>
               <a:t>. </a:t>
             </a:r>
-            <a:endParaRPr lang="en-US" sz="1800" dirty="0" smtClean="0">
+            <a:endParaRPr lang="en-US" sz="1800" dirty="0">
               <a:latin typeface="Calibri" pitchFamily="34" charset="0"/>
             </a:endParaRPr>
           </a:p>
           <a:p>
-            <a:endParaRPr lang="ru-RU" sz="1800" dirty="0" smtClean="0">
+            <a:endParaRPr lang="ru-RU" sz="1800" dirty="0">
               <a:latin typeface="Calibri" pitchFamily="34" charset="0"/>
             </a:endParaRPr>
           </a:p>
           <a:p>
             <a:r>
-              <a:rPr lang="ru-RU" sz="1800" dirty="0" smtClean="0">
+              <a:rPr lang="ru-RU" sz="1800" dirty="0">
                 <a:latin typeface="Calibri" pitchFamily="34" charset="0"/>
               </a:rPr>
               <a:t>Функции промежуточной обработки могут выполнять следующие задачи:</a:t>
@@ -3169,7 +3127,7 @@
           <a:p>
             <a:pPr marL="900000"/>
             <a:r>
-              <a:rPr lang="ru-RU" sz="1800" dirty="0" smtClean="0">
+              <a:rPr lang="ru-RU" sz="1800" dirty="0">
                 <a:latin typeface="Calibri" pitchFamily="34" charset="0"/>
               </a:rPr>
               <a:t>Выполнение любого кода.</a:t>
@@ -3178,7 +3136,7 @@
           <a:p>
             <a:pPr marL="900000"/>
             <a:r>
-              <a:rPr lang="ru-RU" sz="1800" dirty="0" smtClean="0">
+              <a:rPr lang="ru-RU" sz="1800" dirty="0">
                 <a:latin typeface="Calibri" pitchFamily="34" charset="0"/>
               </a:rPr>
               <a:t>Внесение изменений в объекты запросов и ответов.</a:t>
@@ -3187,7 +3145,7 @@
           <a:p>
             <a:pPr marL="900000"/>
             <a:r>
-              <a:rPr lang="ru-RU" sz="1800" dirty="0" smtClean="0">
+              <a:rPr lang="ru-RU" sz="1800" dirty="0">
                 <a:latin typeface="Calibri" pitchFamily="34" charset="0"/>
               </a:rPr>
               <a:t>Завершение цикла “запрос-ответ”.</a:t>
@@ -3196,7 +3154,7 @@
           <a:p>
             <a:pPr marL="900000"/>
             <a:r>
-              <a:rPr lang="ru-RU" sz="1800" dirty="0" smtClean="0">
+              <a:rPr lang="ru-RU" sz="1800" dirty="0">
                 <a:latin typeface="Calibri" pitchFamily="34" charset="0"/>
               </a:rPr>
               <a:t>Вызов следующего промежуточного обработчика из стека.</a:t>
@@ -3248,25 +3206,25 @@
           <a:lstStyle/>
           <a:p>
             <a:r>
-              <a:rPr lang="en-US" dirty="0" err="1" smtClean="0">
+              <a:rPr lang="en-US" dirty="0" err="1">
                 <a:latin typeface="Calibri" pitchFamily="34" charset="0"/>
               </a:rPr>
               <a:t>app.use</a:t>
             </a:r>
             <a:r>
-              <a:rPr lang="en-US" dirty="0" smtClean="0">
+              <a:rPr lang="en-US" dirty="0">
                 <a:latin typeface="Calibri" pitchFamily="34" charset="0"/>
               </a:rPr>
               <a:t>(function(</a:t>
             </a:r>
             <a:r>
-              <a:rPr lang="en-US" dirty="0" err="1" smtClean="0">
+              <a:rPr lang="en-US" dirty="0" err="1">
                 <a:latin typeface="Calibri" pitchFamily="34" charset="0"/>
               </a:rPr>
               <a:t>req</a:t>
             </a:r>
             <a:r>
-              <a:rPr lang="en-US" dirty="0" smtClean="0">
+              <a:rPr lang="en-US" dirty="0">
                 <a:latin typeface="Calibri" pitchFamily="34" charset="0"/>
               </a:rPr>
               <a:t>, res, next) {</a:t>
@@ -3274,19 +3232,19 @@
           </a:p>
           <a:p>
             <a:r>
-              <a:rPr lang="en-US" dirty="0" smtClean="0">
+              <a:rPr lang="en-US" dirty="0">
                 <a:latin typeface="Calibri" pitchFamily="34" charset="0"/>
               </a:rPr>
               <a:t>	</a:t>
             </a:r>
             <a:r>
-              <a:rPr lang="en-US" dirty="0" err="1" smtClean="0">
+              <a:rPr lang="en-US" dirty="0" err="1">
                 <a:latin typeface="Calibri" pitchFamily="34" charset="0"/>
               </a:rPr>
               <a:t>res.send</a:t>
             </a:r>
             <a:r>
-              <a:rPr lang="en-US" dirty="0" smtClean="0">
+              <a:rPr lang="en-US" dirty="0">
                 <a:latin typeface="Calibri" pitchFamily="34" charset="0"/>
               </a:rPr>
               <a:t>(‘OK’); </a:t>
@@ -3297,21 +3255,12 @@
               <a:rPr lang="en-US" dirty="0">
                 <a:latin typeface="Calibri" pitchFamily="34" charset="0"/>
               </a:rPr>
-              <a:t>	</a:t>
-            </a:r>
-            <a:r>
-              <a:rPr lang="en-US" dirty="0" smtClean="0">
-                <a:latin typeface="Calibri" pitchFamily="34" charset="0"/>
-              </a:rPr>
-              <a:t>next(); </a:t>
-            </a:r>
-            <a:endParaRPr lang="en-US" dirty="0">
-              <a:latin typeface="Calibri" pitchFamily="34" charset="0"/>
-            </a:endParaRPr>
-          </a:p>
-          <a:p>
-            <a:r>
-              <a:rPr lang="en-US" dirty="0" smtClean="0">
+              <a:t>	next(); </a:t>
+            </a:r>
+          </a:p>
+          <a:p>
+            <a:r>
+              <a:rPr lang="en-US" dirty="0">
                 <a:latin typeface="Calibri" pitchFamily="34" charset="0"/>
               </a:rPr>
               <a:t>})</a:t>
@@ -3363,13 +3312,13 @@
           <a:lstStyle/>
           <a:p>
             <a:r>
-              <a:rPr lang="ru-RU" dirty="0" smtClean="0">
+              <a:rPr lang="ru-RU" dirty="0">
                 <a:latin typeface="Calibri" pitchFamily="34" charset="0"/>
               </a:rPr>
               <a:t>Маршрутизация в</a:t>
             </a:r>
             <a:r>
-              <a:rPr lang="en-US" dirty="0" smtClean="0">
+              <a:rPr lang="en-US" dirty="0">
                 <a:latin typeface="Calibri" pitchFamily="34" charset="0"/>
               </a:rPr>
               <a:t> express</a:t>
@@ -3412,16 +3361,10 @@
               <a:rPr lang="ru-RU" dirty="0">
                 <a:latin typeface="Calibri" pitchFamily="34" charset="0"/>
               </a:rPr>
-              <a:t> определяет, как приложение отвечает на клиентский запрос к конкретному адресу (URI</a:t>
-            </a:r>
-            <a:r>
-              <a:rPr lang="ru-RU" dirty="0" smtClean="0">
-                <a:latin typeface="Calibri" pitchFamily="34" charset="0"/>
-              </a:rPr>
-              <a:t>).</a:t>
-            </a:r>
-            <a:r>
-              <a:rPr lang="en-US" dirty="0" smtClean="0">
+              <a:t> определяет, как приложение отвечает на клиентский запрос к конкретному адресу (URI).</a:t>
+            </a:r>
+            <a:r>
+              <a:rPr lang="en-US" dirty="0">
                 <a:latin typeface="Calibri" pitchFamily="34" charset="0"/>
               </a:rPr>
               <a:t> </a:t>
@@ -3458,13 +3401,13 @@
               <a:t>express</a:t>
             </a:r>
             <a:r>
-              <a:rPr lang="ru-RU" dirty="0" smtClean="0">
+              <a:rPr lang="ru-RU" dirty="0">
                 <a:latin typeface="Calibri" pitchFamily="34" charset="0"/>
               </a:rPr>
               <a:t>.</a:t>
             </a:r>
             <a:r>
-              <a:rPr lang="en-US" dirty="0" smtClean="0">
+              <a:rPr lang="en-US" dirty="0">
                 <a:latin typeface="Calibri" pitchFamily="34" charset="0"/>
               </a:rPr>
               <a:t> </a:t>
@@ -3536,18 +3479,10 @@
               </a:rPr>
               <a:t>// GET method route </a:t>
             </a:r>
-            <a:endParaRPr lang="en-US" dirty="0" smtClean="0">
-              <a:solidFill>
-                <a:schemeClr val="tx2">
-                  <a:lumMod val="65000"/>
-                </a:schemeClr>
-              </a:solidFill>
-              <a:latin typeface="Calibri" pitchFamily="34" charset="0"/>
-            </a:endParaRPr>
-          </a:p>
-          <a:p>
-            <a:r>
-              <a:rPr lang="en-US" dirty="0" err="1" smtClean="0">
+          </a:p>
+          <a:p>
+            <a:r>
+              <a:rPr lang="en-US" dirty="0" err="1">
                 <a:latin typeface="Calibri" pitchFamily="34" charset="0"/>
               </a:rPr>
               <a:t>app.get</a:t>
@@ -3556,130 +3491,52 @@
               <a:rPr lang="en-US" dirty="0">
                 <a:latin typeface="Calibri" pitchFamily="34" charset="0"/>
               </a:rPr>
-              <a:t>('/',</a:t>
-            </a:r>
-            <a:r>
-              <a:rPr lang="en-US" dirty="0" smtClean="0">
-                <a:latin typeface="Calibri" pitchFamily="34" charset="0"/>
-              </a:rPr>
-              <a:t> </a:t>
+              <a:t>('/', function (</a:t>
+            </a:r>
+            <a:r>
+              <a:rPr lang="en-US" dirty="0" err="1">
+                <a:latin typeface="Calibri" pitchFamily="34" charset="0"/>
+              </a:rPr>
+              <a:t>req</a:t>
             </a:r>
             <a:r>
               <a:rPr lang="en-US" dirty="0">
                 <a:latin typeface="Calibri" pitchFamily="34" charset="0"/>
               </a:rPr>
-              <a:t>function</a:t>
-            </a:r>
-            <a:r>
-              <a:rPr lang="en-US" dirty="0" smtClean="0">
-                <a:latin typeface="Calibri" pitchFamily="34" charset="0"/>
-              </a:rPr>
-              <a:t> </a:t>
-            </a:r>
+              <a:t>, res) { </a:t>
+            </a:r>
+          </a:p>
+          <a:p>
             <a:r>
               <a:rPr lang="en-US" dirty="0">
                 <a:latin typeface="Calibri" pitchFamily="34" charset="0"/>
               </a:rPr>
-              <a:t>(</a:t>
-            </a:r>
-            <a:r>
-              <a:rPr lang="en-US" dirty="0" err="1" smtClean="0">
-                <a:latin typeface="Calibri" pitchFamily="34" charset="0"/>
-              </a:rPr>
-              <a:t>req</a:t>
+              <a:t>     </a:t>
+            </a:r>
+            <a:r>
+              <a:rPr lang="en-US" dirty="0" err="1">
+                <a:latin typeface="Calibri" pitchFamily="34" charset="0"/>
+              </a:rPr>
+              <a:t>res.send</a:t>
             </a:r>
             <a:r>
               <a:rPr lang="en-US" dirty="0">
                 <a:latin typeface="Calibri" pitchFamily="34" charset="0"/>
               </a:rPr>
-              <a:t>,</a:t>
-            </a:r>
-            <a:r>
-              <a:rPr lang="en-US" dirty="0" smtClean="0">
-                <a:latin typeface="Calibri" pitchFamily="34" charset="0"/>
-              </a:rPr>
-              <a:t> res</a:t>
-            </a:r>
+              <a:t>('GET request to the homepage');</a:t>
+            </a:r>
+          </a:p>
+          <a:p>
             <a:r>
               <a:rPr lang="en-US" dirty="0">
                 <a:latin typeface="Calibri" pitchFamily="34" charset="0"/>
               </a:rPr>
-              <a:t>)</a:t>
-            </a:r>
-            <a:r>
-              <a:rPr lang="en-US" dirty="0" smtClean="0">
-                <a:latin typeface="Calibri" pitchFamily="34" charset="0"/>
-              </a:rPr>
-              <a:t> </a:t>
-            </a:r>
+              <a:t> }); </a:t>
+            </a:r>
+          </a:p>
+          <a:p>
             <a:r>
               <a:rPr lang="en-US" dirty="0">
-                <a:latin typeface="Calibri" pitchFamily="34" charset="0"/>
-              </a:rPr>
-              <a:t>{</a:t>
-            </a:r>
-            <a:r>
-              <a:rPr lang="en-US" dirty="0" smtClean="0">
-                <a:latin typeface="Calibri" pitchFamily="34" charset="0"/>
-              </a:rPr>
-              <a:t> </a:t>
-            </a:r>
-          </a:p>
-          <a:p>
-            <a:r>
-              <a:rPr lang="en-US" dirty="0">
-                <a:latin typeface="Calibri" pitchFamily="34" charset="0"/>
-              </a:rPr>
-              <a:t> </a:t>
-            </a:r>
-            <a:r>
-              <a:rPr lang="en-US" dirty="0" smtClean="0">
-                <a:latin typeface="Calibri" pitchFamily="34" charset="0"/>
-              </a:rPr>
-              <a:t>    </a:t>
-            </a:r>
-            <a:r>
-              <a:rPr lang="en-US" dirty="0" err="1" smtClean="0">
-                <a:latin typeface="Calibri" pitchFamily="34" charset="0"/>
-              </a:rPr>
-              <a:t>res.send</a:t>
-            </a:r>
-            <a:r>
-              <a:rPr lang="en-US" dirty="0">
-                <a:latin typeface="Calibri" pitchFamily="34" charset="0"/>
-              </a:rPr>
-              <a:t>('GET request to the homepage</a:t>
-            </a:r>
-            <a:r>
-              <a:rPr lang="en-US" dirty="0" smtClean="0">
-                <a:latin typeface="Calibri" pitchFamily="34" charset="0"/>
-              </a:rPr>
-              <a:t>');</a:t>
-            </a:r>
-          </a:p>
-          <a:p>
-            <a:r>
-              <a:rPr lang="en-US" dirty="0" smtClean="0">
-                <a:latin typeface="Calibri" pitchFamily="34" charset="0"/>
-              </a:rPr>
-              <a:t> </a:t>
-            </a:r>
-            <a:r>
-              <a:rPr lang="en-US" dirty="0">
-                <a:latin typeface="Calibri" pitchFamily="34" charset="0"/>
-              </a:rPr>
-              <a:t>});</a:t>
-            </a:r>
-            <a:r>
-              <a:rPr lang="en-US" dirty="0" smtClean="0">
-                <a:latin typeface="Calibri" pitchFamily="34" charset="0"/>
-              </a:rPr>
-              <a:t> </a:t>
-            </a:r>
-          </a:p>
-          <a:p>
-            <a:r>
-              <a:rPr lang="en-US" dirty="0" smtClean="0">
                 <a:solidFill>
                   <a:schemeClr val="tx2">
                     <a:lumMod val="65000"/>
@@ -3687,146 +3544,55 @@
                 </a:solidFill>
                 <a:latin typeface="Calibri" pitchFamily="34" charset="0"/>
               </a:rPr>
-              <a:t>// </a:t>
-            </a:r>
+              <a:t>// POST method route </a:t>
+            </a:r>
+          </a:p>
+          <a:p>
             <a:r>
               <a:rPr lang="en-US" dirty="0">
-                <a:solidFill>
-                  <a:schemeClr val="tx2">
-                    <a:lumMod val="65000"/>
-                  </a:schemeClr>
-                </a:solidFill>
-                <a:latin typeface="Calibri" pitchFamily="34" charset="0"/>
-              </a:rPr>
-              <a:t>POST method route </a:t>
-            </a:r>
-            <a:endParaRPr lang="en-US" dirty="0" smtClean="0">
-              <a:solidFill>
-                <a:schemeClr val="tx2">
-                  <a:lumMod val="65000"/>
-                </a:schemeClr>
-              </a:solidFill>
-              <a:latin typeface="Calibri" pitchFamily="34" charset="0"/>
-            </a:endParaRPr>
-          </a:p>
-          <a:p>
-            <a:r>
-              <a:rPr lang="en-US" dirty="0" smtClean="0">
-                <a:latin typeface="Calibri" pitchFamily="34" charset="0"/>
-              </a:rPr>
-              <a:t>app.post</a:t>
+                <a:latin typeface="Calibri" pitchFamily="34" charset="0"/>
+              </a:rPr>
+              <a:t>app.post('/', function (</a:t>
+            </a:r>
+            <a:r>
+              <a:rPr lang="en-US" dirty="0" err="1">
+                <a:latin typeface="Calibri" pitchFamily="34" charset="0"/>
+              </a:rPr>
+              <a:t>req</a:t>
             </a:r>
             <a:r>
               <a:rPr lang="en-US" dirty="0">
                 <a:latin typeface="Calibri" pitchFamily="34" charset="0"/>
               </a:rPr>
-              <a:t>('/',</a:t>
-            </a:r>
-            <a:r>
-              <a:rPr lang="en-US" dirty="0" smtClean="0">
-                <a:latin typeface="Calibri" pitchFamily="34" charset="0"/>
-              </a:rPr>
-              <a:t> </a:t>
-            </a:r>
+              <a:t>, res) {</a:t>
+            </a:r>
+          </a:p>
+          <a:p>
             <a:r>
               <a:rPr lang="en-US" dirty="0">
                 <a:latin typeface="Calibri" pitchFamily="34" charset="0"/>
               </a:rPr>
-              <a:t>function</a:t>
-            </a:r>
-            <a:r>
-              <a:rPr lang="en-US" dirty="0" smtClean="0">
-                <a:latin typeface="Calibri" pitchFamily="34" charset="0"/>
-              </a:rPr>
-              <a:t> </a:t>
+              <a:t>   </a:t>
+            </a:r>
+            <a:r>
+              <a:rPr lang="en-US" dirty="0" err="1">
+                <a:latin typeface="Calibri" pitchFamily="34" charset="0"/>
+              </a:rPr>
+              <a:t>res.send</a:t>
             </a:r>
             <a:r>
               <a:rPr lang="en-US" dirty="0">
                 <a:latin typeface="Calibri" pitchFamily="34" charset="0"/>
               </a:rPr>
-              <a:t>(</a:t>
-            </a:r>
-            <a:r>
-              <a:rPr lang="en-US" dirty="0" err="1" smtClean="0">
-                <a:latin typeface="Calibri" pitchFamily="34" charset="0"/>
-              </a:rPr>
-              <a:t>req</a:t>
-            </a:r>
+              <a:t>('POST request to the homepage');</a:t>
+            </a:r>
+          </a:p>
+          <a:p>
             <a:r>
               <a:rPr lang="en-US" dirty="0">
                 <a:latin typeface="Calibri" pitchFamily="34" charset="0"/>
               </a:rPr>
-              <a:t>,</a:t>
-            </a:r>
-            <a:r>
-              <a:rPr lang="en-US" dirty="0" smtClean="0">
-                <a:latin typeface="Calibri" pitchFamily="34" charset="0"/>
-              </a:rPr>
-              <a:t> res</a:t>
-            </a:r>
-            <a:r>
-              <a:rPr lang="en-US" dirty="0">
-                <a:latin typeface="Calibri" pitchFamily="34" charset="0"/>
-              </a:rPr>
-              <a:t>)</a:t>
-            </a:r>
-            <a:r>
-              <a:rPr lang="en-US" dirty="0" smtClean="0">
-                <a:latin typeface="Calibri" pitchFamily="34" charset="0"/>
-              </a:rPr>
-              <a:t> {</a:t>
-            </a:r>
-          </a:p>
-          <a:p>
-            <a:r>
-              <a:rPr lang="en-US" dirty="0">
-                <a:latin typeface="Calibri" pitchFamily="34" charset="0"/>
-              </a:rPr>
-              <a:t> </a:t>
-            </a:r>
-            <a:r>
-              <a:rPr lang="en-US" dirty="0" smtClean="0">
-                <a:latin typeface="Calibri" pitchFamily="34" charset="0"/>
-              </a:rPr>
-              <a:t>  </a:t>
-            </a:r>
-            <a:r>
-              <a:rPr lang="en-US" dirty="0" err="1" smtClean="0">
-                <a:latin typeface="Calibri" pitchFamily="34" charset="0"/>
-              </a:rPr>
-              <a:t>res</a:t>
-            </a:r>
-            <a:r>
-              <a:rPr lang="en-US" dirty="0" err="1">
-                <a:latin typeface="Calibri" pitchFamily="34" charset="0"/>
-              </a:rPr>
-              <a:t>.send</a:t>
-            </a:r>
-            <a:r>
-              <a:rPr lang="en-US" dirty="0">
-                <a:latin typeface="Calibri" pitchFamily="34" charset="0"/>
-              </a:rPr>
-              <a:t>('POST request to the homepage</a:t>
-            </a:r>
-            <a:r>
-              <a:rPr lang="en-US" dirty="0" smtClean="0">
-                <a:latin typeface="Calibri" pitchFamily="34" charset="0"/>
-              </a:rPr>
-              <a:t>');</a:t>
-            </a:r>
-          </a:p>
-          <a:p>
-            <a:r>
-              <a:rPr lang="en-US" dirty="0" smtClean="0">
-                <a:latin typeface="Calibri" pitchFamily="34" charset="0"/>
-              </a:rPr>
-              <a:t> </a:t>
-            </a:r>
-            <a:r>
-              <a:rPr lang="en-US" dirty="0">
-                <a:latin typeface="Calibri" pitchFamily="34" charset="0"/>
-              </a:rPr>
-              <a:t>});</a:t>
+              <a:t> });</a:t>
             </a:r>
             <a:endParaRPr lang="uk-UA" dirty="0">
               <a:latin typeface="Calibri" pitchFamily="34" charset="0"/>
@@ -3880,13 +3646,13 @@
           <a:lstStyle/>
           <a:p>
             <a:r>
-              <a:rPr lang="uk-UA" dirty="0" smtClean="0">
+              <a:rPr lang="uk-UA" dirty="0">
                 <a:latin typeface="Calibri" pitchFamily="34" charset="0"/>
               </a:rPr>
               <a:t>Генератор приложений </a:t>
             </a:r>
             <a:r>
-              <a:rPr lang="en-US" dirty="0" smtClean="0">
+              <a:rPr lang="en-US" dirty="0">
                 <a:latin typeface="Calibri" pitchFamily="34" charset="0"/>
               </a:rPr>
               <a:t>Express</a:t>
@@ -3946,7 +3712,7 @@
               <a:tabLst/>
             </a:pPr>
             <a:r>
-              <a:rPr kumimoji="0" lang="uk-UA" b="0" i="0" u="none" strike="noStrike" cap="none" normalizeH="0" baseline="0" dirty="0" smtClean="0">
+              <a:rPr kumimoji="0" lang="uk-UA" b="0" i="0" u="none" strike="noStrike" cap="none" normalizeH="0" baseline="0" dirty="0">
                 <a:ln>
                   <a:noFill/>
                 </a:ln>
@@ -3962,7 +3728,7 @@
               <a:t> Для </a:t>
             </a:r>
             <a:r>
-              <a:rPr kumimoji="0" lang="uk-UA" b="0" i="0" u="none" strike="noStrike" cap="none" normalizeH="0" baseline="0" dirty="0" err="1" smtClean="0">
+              <a:rPr kumimoji="0" lang="uk-UA" b="0" i="0" u="none" strike="noStrike" cap="none" normalizeH="0" baseline="0" dirty="0" err="1">
                 <a:ln>
                   <a:noFill/>
                 </a:ln>
@@ -3978,7 +3744,7 @@
               <a:t>быстрого</a:t>
             </a:r>
             <a:r>
-              <a:rPr kumimoji="0" lang="uk-UA" b="0" i="0" u="none" strike="noStrike" cap="none" normalizeH="0" baseline="0" dirty="0" smtClean="0">
+              <a:rPr kumimoji="0" lang="uk-UA" b="0" i="0" u="none" strike="noStrike" cap="none" normalizeH="0" baseline="0" dirty="0">
                 <a:ln>
                   <a:noFill/>
                 </a:ln>
@@ -3994,7 +3760,7 @@
               <a:t> </a:t>
             </a:r>
             <a:r>
-              <a:rPr kumimoji="0" lang="uk-UA" b="0" i="0" u="none" strike="noStrike" cap="none" normalizeH="0" baseline="0" dirty="0" err="1" smtClean="0">
+              <a:rPr kumimoji="0" lang="uk-UA" b="0" i="0" u="none" strike="noStrike" cap="none" normalizeH="0" baseline="0" dirty="0" err="1">
                 <a:ln>
                   <a:noFill/>
                 </a:ln>
@@ -4010,7 +3776,7 @@
               <a:t>создания</a:t>
             </a:r>
             <a:r>
-              <a:rPr kumimoji="0" lang="uk-UA" b="0" i="0" u="none" strike="noStrike" cap="none" normalizeH="0" baseline="0" dirty="0" smtClean="0">
+              <a:rPr kumimoji="0" lang="uk-UA" b="0" i="0" u="none" strike="noStrike" cap="none" normalizeH="0" baseline="0" dirty="0">
                 <a:ln>
                   <a:noFill/>
                 </a:ln>
@@ -4026,7 +3792,7 @@
               <a:t> </a:t>
             </a:r>
             <a:r>
-              <a:rPr kumimoji="0" lang="uk-UA" b="0" i="0" u="none" strike="noStrike" cap="none" normalizeH="0" baseline="0" dirty="0" err="1" smtClean="0">
+              <a:rPr kumimoji="0" lang="uk-UA" b="0" i="0" u="none" strike="noStrike" cap="none" normalizeH="0" baseline="0" dirty="0" err="1">
                 <a:ln>
                   <a:noFill/>
                 </a:ln>
@@ -4042,7 +3808,7 @@
               <a:t>“скелета”</a:t>
             </a:r>
             <a:r>
-              <a:rPr kumimoji="0" lang="uk-UA" b="0" i="0" u="none" strike="noStrike" cap="none" normalizeH="0" baseline="0" dirty="0" smtClean="0">
+              <a:rPr kumimoji="0" lang="uk-UA" b="0" i="0" u="none" strike="noStrike" cap="none" normalizeH="0" baseline="0" dirty="0">
                 <a:ln>
                   <a:noFill/>
                 </a:ln>
@@ -4058,7 +3824,7 @@
               <a:t> </a:t>
             </a:r>
             <a:r>
-              <a:rPr kumimoji="0" lang="uk-UA" b="0" i="0" u="none" strike="noStrike" cap="none" normalizeH="0" baseline="0" dirty="0" err="1" smtClean="0">
+              <a:rPr kumimoji="0" lang="uk-UA" b="0" i="0" u="none" strike="noStrike" cap="none" normalizeH="0" baseline="0" dirty="0" err="1">
                 <a:ln>
                   <a:noFill/>
                 </a:ln>
@@ -4074,7 +3840,7 @@
               <a:t>приложения</a:t>
             </a:r>
             <a:r>
-              <a:rPr kumimoji="0" lang="uk-UA" b="0" i="0" u="none" strike="noStrike" cap="none" normalizeH="0" baseline="0" dirty="0" smtClean="0">
+              <a:rPr kumimoji="0" lang="uk-UA" b="0" i="0" u="none" strike="noStrike" cap="none" normalizeH="0" baseline="0" dirty="0">
                 <a:ln>
                   <a:noFill/>
                 </a:ln>
@@ -4090,7 +3856,7 @@
               <a:t> </a:t>
             </a:r>
             <a:r>
-              <a:rPr kumimoji="0" lang="uk-UA" b="0" i="0" u="none" strike="noStrike" cap="none" normalizeH="0" baseline="0" dirty="0" err="1" smtClean="0">
+              <a:rPr kumimoji="0" lang="uk-UA" b="0" i="0" u="none" strike="noStrike" cap="none" normalizeH="0" baseline="0" dirty="0" err="1">
                 <a:ln>
                   <a:noFill/>
                 </a:ln>
@@ -4106,7 +3872,7 @@
               <a:t>используется</a:t>
             </a:r>
             <a:r>
-              <a:rPr kumimoji="0" lang="uk-UA" b="0" i="0" u="none" strike="noStrike" cap="none" normalizeH="0" baseline="0" dirty="0" smtClean="0">
+              <a:rPr kumimoji="0" lang="uk-UA" b="0" i="0" u="none" strike="noStrike" cap="none" normalizeH="0" baseline="0" dirty="0">
                 <a:ln>
                   <a:noFill/>
                 </a:ln>
@@ -4122,7 +3888,7 @@
               <a:t> </a:t>
             </a:r>
             <a:r>
-              <a:rPr kumimoji="0" lang="uk-UA" b="0" i="0" u="none" strike="noStrike" cap="none" normalizeH="0" baseline="0" dirty="0" err="1" smtClean="0">
+              <a:rPr kumimoji="0" lang="uk-UA" b="0" i="0" u="none" strike="noStrike" cap="none" normalizeH="0" baseline="0" dirty="0" err="1">
                 <a:ln>
                   <a:noFill/>
                 </a:ln>
@@ -4138,7 +3904,7 @@
               <a:t>инструмент</a:t>
             </a:r>
             <a:r>
-              <a:rPr kumimoji="0" lang="uk-UA" b="0" i="0" u="none" strike="noStrike" cap="none" normalizeH="0" baseline="0" dirty="0" smtClean="0">
+              <a:rPr kumimoji="0" lang="uk-UA" b="0" i="0" u="none" strike="noStrike" cap="none" normalizeH="0" baseline="0" dirty="0">
                 <a:ln>
                   <a:noFill/>
                 </a:ln>
@@ -4154,7 +3920,7 @@
               <a:t> для </a:t>
             </a:r>
             <a:r>
-              <a:rPr kumimoji="0" lang="uk-UA" b="0" i="0" u="none" strike="noStrike" cap="none" normalizeH="0" baseline="0" dirty="0" err="1" smtClean="0">
+              <a:rPr kumimoji="0" lang="uk-UA" b="0" i="0" u="none" strike="noStrike" cap="none" normalizeH="0" baseline="0" dirty="0" err="1">
                 <a:ln>
                   <a:noFill/>
                 </a:ln>
@@ -4170,7 +3936,7 @@
               <a:t>генерации</a:t>
             </a:r>
             <a:r>
-              <a:rPr kumimoji="0" lang="uk-UA" b="0" i="0" u="none" strike="noStrike" cap="none" normalizeH="0" baseline="0" dirty="0" smtClean="0">
+              <a:rPr kumimoji="0" lang="uk-UA" b="0" i="0" u="none" strike="noStrike" cap="none" normalizeH="0" baseline="0" dirty="0">
                 <a:ln>
                   <a:noFill/>
                 </a:ln>
@@ -4186,7 +3952,7 @@
               <a:t> приложений </a:t>
             </a:r>
             <a:r>
-              <a:rPr kumimoji="0" lang="uk-UA" b="0" i="0" u="none" strike="noStrike" cap="none" normalizeH="0" baseline="0" dirty="0" err="1" smtClean="0">
+              <a:rPr kumimoji="0" lang="uk-UA" b="0" i="0" u="none" strike="noStrike" cap="none" normalizeH="0" baseline="0" dirty="0" err="1">
                 <a:ln>
                   <a:noFill/>
                 </a:ln>
@@ -4202,7 +3968,7 @@
               <a:t>express</a:t>
             </a:r>
             <a:r>
-              <a:rPr kumimoji="0" lang="uk-UA" b="0" i="0" u="none" strike="noStrike" cap="none" normalizeH="0" baseline="0" dirty="0" smtClean="0">
+              <a:rPr kumimoji="0" lang="uk-UA" b="0" i="0" u="none" strike="noStrike" cap="none" normalizeH="0" baseline="0" dirty="0">
                 <a:ln>
                   <a:noFill/>
                 </a:ln>
@@ -4218,7 +3984,7 @@
               <a:t>.</a:t>
             </a:r>
             <a:r>
-              <a:rPr kumimoji="0" lang="uk-UA" b="0" i="0" u="none" strike="noStrike" cap="none" normalizeH="0" baseline="0" dirty="0" smtClean="0">
+              <a:rPr kumimoji="0" lang="uk-UA" b="0" i="0" u="none" strike="noStrike" cap="none" normalizeH="0" baseline="0" dirty="0">
                 <a:ln>
                   <a:noFill/>
                 </a:ln>
@@ -4274,7 +4040,7 @@
               <a:tabLst/>
             </a:pPr>
             <a:r>
-              <a:rPr kumimoji="0" lang="ru-RU" b="0" i="0" u="none" strike="noStrike" cap="none" normalizeH="0" baseline="0" dirty="0" smtClean="0">
+              <a:rPr kumimoji="0" lang="ru-RU" b="0" i="0" u="none" strike="noStrike" cap="none" normalizeH="0" baseline="0" dirty="0">
                 <a:ln>
                   <a:noFill/>
                 </a:ln>
@@ -4288,7 +4054,7 @@
               <a:t> Для его использования следует</a:t>
             </a:r>
             <a:r>
-              <a:rPr kumimoji="0" lang="ru-RU" b="0" i="0" u="none" strike="noStrike" cap="none" normalizeH="0" dirty="0" smtClean="0">
+              <a:rPr kumimoji="0" lang="ru-RU" b="0" i="0" u="none" strike="noStrike" cap="none" normalizeH="0" dirty="0">
                 <a:ln>
                   <a:noFill/>
                 </a:ln>
@@ -4302,7 +4068,7 @@
               <a:t> установить </a:t>
             </a:r>
             <a:r>
-              <a:rPr kumimoji="0" lang="en-US" b="0" i="0" u="none" strike="noStrike" cap="none" normalizeH="0" dirty="0" smtClean="0">
+              <a:rPr kumimoji="0" lang="en-US" b="0" i="0" u="none" strike="noStrike" cap="none" normalizeH="0" dirty="0">
                 <a:ln>
                   <a:noFill/>
                 </a:ln>
@@ -4326,7 +4092,7 @@
               </a:spcAft>
             </a:pPr>
             <a:r>
-              <a:rPr lang="en-US" dirty="0" smtClean="0">
+              <a:rPr lang="en-US" dirty="0">
                 <a:solidFill>
                   <a:schemeClr val="accent6">
                     <a:lumMod val="10000"/>
@@ -4337,7 +4103,7 @@
               <a:t>  </a:t>
             </a:r>
             <a:r>
-              <a:rPr lang="en-US" b="1" i="1" dirty="0" smtClean="0">
+              <a:rPr lang="en-US" b="1" i="1" dirty="0">
                 <a:solidFill>
                   <a:schemeClr val="accent6">
                     <a:lumMod val="10000"/>
@@ -4348,7 +4114,7 @@
               <a:t>$ </a:t>
             </a:r>
             <a:r>
-              <a:rPr lang="en-US" b="1" i="1" dirty="0" err="1" smtClean="0">
+              <a:rPr lang="en-US" b="1" i="1" dirty="0" err="1">
                 <a:solidFill>
                   <a:schemeClr val="accent6">
                     <a:lumMod val="10000"/>
@@ -4359,7 +4125,7 @@
               <a:t>npm</a:t>
             </a:r>
             <a:r>
-              <a:rPr lang="en-US" b="1" i="1" dirty="0" smtClean="0">
+              <a:rPr lang="en-US" b="1" i="1" dirty="0">
                 <a:solidFill>
                   <a:schemeClr val="accent6">
                     <a:lumMod val="10000"/>
@@ -4388,7 +4154,7 @@
                 <a:spcPct val="0"/>
               </a:spcAft>
             </a:pPr>
-            <a:endParaRPr kumimoji="0" lang="en-US" b="0" i="0" strike="noStrike" cap="none" normalizeH="0" baseline="0" dirty="0" smtClean="0">
+            <a:endParaRPr kumimoji="0" lang="en-US" b="0" i="0" strike="noStrike" cap="none" normalizeH="0" baseline="0" dirty="0">
               <a:ln>
                 <a:noFill/>
               </a:ln>
@@ -4412,7 +4178,7 @@
               <a:buChar char="•"/>
             </a:pPr>
             <a:r>
-              <a:rPr kumimoji="0" lang="en-US" b="0" i="0" strike="noStrike" cap="none" normalizeH="0" baseline="0" dirty="0" smtClean="0">
+              <a:rPr kumimoji="0" lang="en-US" b="0" i="0" strike="noStrike" cap="none" normalizeH="0" baseline="0" dirty="0">
                 <a:ln>
                   <a:noFill/>
                 </a:ln>
@@ -4426,7 +4192,7 @@
               <a:t> </a:t>
             </a:r>
             <a:r>
-              <a:rPr kumimoji="0" lang="ru-RU" b="0" i="0" strike="noStrike" cap="none" normalizeH="0" baseline="0" dirty="0" smtClean="0">
+              <a:rPr kumimoji="0" lang="ru-RU" b="0" i="0" strike="noStrike" cap="none" normalizeH="0" baseline="0" dirty="0">
                 <a:ln>
                   <a:noFill/>
                 </a:ln>
@@ -4442,7 +4208,7 @@
               <a:t>Для просмотра опций команды воспользуйтесь опцией -</a:t>
             </a:r>
             <a:r>
-              <a:rPr kumimoji="0" lang="ru-RU" b="0" i="0" strike="noStrike" cap="none" normalizeH="0" baseline="0" dirty="0" err="1" smtClean="0">
+              <a:rPr kumimoji="0" lang="ru-RU" b="0" i="0" strike="noStrike" cap="none" normalizeH="0" baseline="0" dirty="0" err="1">
                 <a:ln>
                   <a:noFill/>
                 </a:ln>
@@ -4458,7 +4224,7 @@
               <a:t>h</a:t>
             </a:r>
             <a:r>
-              <a:rPr kumimoji="0" lang="en-US" b="0" i="0" strike="noStrike" cap="none" normalizeH="0" baseline="0" dirty="0" smtClean="0">
+              <a:rPr kumimoji="0" lang="en-US" b="0" i="0" strike="noStrike" cap="none" normalizeH="0" baseline="0" dirty="0">
                 <a:ln>
                   <a:noFill/>
                 </a:ln>
@@ -4507,7 +4273,7 @@
               <a:buChar char="•"/>
             </a:pPr>
             <a:r>
-              <a:rPr kumimoji="0" lang="en-US" b="0" i="0" strike="noStrike" cap="none" normalizeH="0" baseline="0" dirty="0" smtClean="0">
+              <a:rPr kumimoji="0" lang="en-US" b="0" i="0" strike="noStrike" cap="none" normalizeH="0" baseline="0" dirty="0">
                 <a:ln>
                   <a:noFill/>
                 </a:ln>
@@ -4523,7 +4289,7 @@
               <a:t> </a:t>
             </a:r>
             <a:r>
-              <a:rPr kumimoji="0" lang="ru-RU" b="0" i="0" strike="noStrike" cap="none" normalizeH="0" baseline="0" dirty="0" smtClean="0">
+              <a:rPr kumimoji="0" lang="ru-RU" b="0" i="0" strike="noStrike" cap="none" normalizeH="0" baseline="0" dirty="0">
                 <a:ln>
                   <a:noFill/>
                 </a:ln>
@@ -4539,7 +4305,7 @@
               <a:t>Для</a:t>
             </a:r>
             <a:r>
-              <a:rPr kumimoji="0" lang="ru-RU" b="0" i="0" strike="noStrike" cap="none" normalizeH="0" dirty="0" smtClean="0">
+              <a:rPr kumimoji="0" lang="ru-RU" b="0" i="0" strike="noStrike" cap="none" normalizeH="0" dirty="0">
                 <a:ln>
                   <a:noFill/>
                 </a:ln>
@@ -4555,7 +4321,7 @@
               <a:t> создания </a:t>
             </a:r>
             <a:r>
-              <a:rPr lang="en-US" dirty="0" smtClean="0">
+              <a:rPr lang="en-US" dirty="0">
                 <a:solidFill>
                   <a:schemeClr val="accent6">
                     <a:lumMod val="10000"/>
@@ -4567,7 +4333,7 @@
               <a:t>‘</a:t>
             </a:r>
             <a:r>
-              <a:rPr lang="ru-RU" dirty="0" smtClean="0">
+              <a:rPr lang="ru-RU" dirty="0">
                 <a:solidFill>
                   <a:schemeClr val="accent6">
                     <a:lumMod val="10000"/>
@@ -4579,7 +4345,7 @@
               <a:t>скелета</a:t>
             </a:r>
             <a:r>
-              <a:rPr lang="en-US" dirty="0" smtClean="0">
+              <a:rPr lang="en-US" dirty="0">
                 <a:solidFill>
                   <a:schemeClr val="accent6">
                     <a:lumMod val="10000"/>
@@ -4591,7 +4357,7 @@
               <a:t>’</a:t>
             </a:r>
             <a:r>
-              <a:rPr lang="ru-RU" dirty="0" smtClean="0">
+              <a:rPr lang="ru-RU" dirty="0">
                 <a:solidFill>
                   <a:schemeClr val="accent6">
                     <a:lumMod val="10000"/>
@@ -4603,7 +4369,7 @@
               <a:t> </a:t>
             </a:r>
             <a:r>
-              <a:rPr lang="en-US" dirty="0" smtClean="0">
+              <a:rPr lang="en-US" dirty="0">
                 <a:solidFill>
                   <a:schemeClr val="accent6">
                     <a:lumMod val="10000"/>
@@ -4615,7 +4381,7 @@
               <a:t>express </a:t>
             </a:r>
             <a:r>
-              <a:rPr lang="ru-RU" dirty="0" smtClean="0">
+              <a:rPr lang="ru-RU" dirty="0">
                 <a:solidFill>
                   <a:schemeClr val="accent6">
                     <a:lumMod val="10000"/>
@@ -4627,7 +4393,7 @@
               <a:t>приложения используйте</a:t>
             </a:r>
             <a:r>
-              <a:rPr lang="en-US" dirty="0" smtClean="0">
+              <a:rPr lang="en-US" dirty="0">
                 <a:solidFill>
                   <a:schemeClr val="accent6">
                     <a:lumMod val="10000"/>
@@ -4639,7 +4405,7 @@
               <a:t> </a:t>
             </a:r>
             <a:r>
-              <a:rPr lang="ru-RU" dirty="0" smtClean="0">
+              <a:rPr lang="ru-RU" dirty="0">
                 <a:solidFill>
                   <a:schemeClr val="accent6">
                     <a:lumMod val="10000"/>
@@ -4651,7 +4417,7 @@
               <a:t>команду</a:t>
             </a:r>
             <a:r>
-              <a:rPr lang="en-US" dirty="0" smtClean="0">
+              <a:rPr lang="en-US" dirty="0">
                 <a:solidFill>
                   <a:schemeClr val="accent6">
                     <a:lumMod val="10000"/>
@@ -4673,7 +4439,7 @@
               </a:spcAft>
             </a:pPr>
             <a:r>
-              <a:rPr kumimoji="0" lang="en-US" b="1" i="1" strike="noStrike" cap="none" normalizeH="0" baseline="0" dirty="0" smtClean="0">
+              <a:rPr kumimoji="0" lang="en-US" b="1" i="1" strike="noStrike" cap="none" normalizeH="0" baseline="0" dirty="0">
                 <a:ln>
                   <a:noFill/>
                 </a:ln>
@@ -4689,7 +4455,7 @@
               <a:t> $</a:t>
             </a:r>
             <a:r>
-              <a:rPr kumimoji="0" lang="en-US" b="1" i="1" strike="noStrike" cap="none" normalizeH="0" dirty="0" smtClean="0">
+              <a:rPr kumimoji="0" lang="en-US" b="1" i="1" strike="noStrike" cap="none" normalizeH="0" dirty="0">
                 <a:ln>
                   <a:noFill/>
                 </a:ln>
@@ -4705,7 +4471,7 @@
               <a:t> express </a:t>
             </a:r>
             <a:r>
-              <a:rPr kumimoji="0" lang="en-US" b="1" i="1" strike="noStrike" cap="none" normalizeH="0" dirty="0" err="1" smtClean="0">
+              <a:rPr kumimoji="0" lang="en-US" b="1" i="1" strike="noStrike" cap="none" normalizeH="0" dirty="0" err="1">
                 <a:ln>
                   <a:noFill/>
                 </a:ln>
@@ -4721,7 +4487,7 @@
               <a:t>app_name</a:t>
             </a:r>
             <a:r>
-              <a:rPr lang="en-US" dirty="0" smtClean="0">
+              <a:rPr lang="en-US" dirty="0">
                 <a:solidFill>
                   <a:schemeClr val="accent6">
                     <a:lumMod val="10000"/>
@@ -4733,7 +4499,7 @@
               <a:t>, </a:t>
             </a:r>
             <a:r>
-              <a:rPr lang="ru-RU" dirty="0" smtClean="0">
+              <a:rPr lang="ru-RU" dirty="0">
                 <a:solidFill>
                   <a:schemeClr val="accent6">
                     <a:lumMod val="10000"/>
@@ -4745,7 +4511,7 @@
               <a:t>где </a:t>
             </a:r>
             <a:r>
-              <a:rPr lang="en-US" dirty="0" err="1" smtClean="0">
+              <a:rPr lang="en-US" dirty="0" err="1">
                 <a:solidFill>
                   <a:schemeClr val="accent6">
                     <a:lumMod val="10000"/>
@@ -4757,7 +4523,7 @@
               <a:t>app_name</a:t>
             </a:r>
             <a:r>
-              <a:rPr lang="en-US" dirty="0" smtClean="0">
+              <a:rPr lang="en-US" dirty="0">
                 <a:solidFill>
                   <a:schemeClr val="accent6">
                     <a:lumMod val="10000"/>
@@ -4769,7 +4535,7 @@
               <a:t> </a:t>
             </a:r>
             <a:r>
-              <a:rPr lang="en-US" dirty="0" smtClean="0">
+              <a:rPr lang="en-US" dirty="0">
                 <a:solidFill>
                   <a:srgbClr val="304E39"/>
                 </a:solidFill>
@@ -4779,7 +4545,7 @@
               <a:t>– </a:t>
             </a:r>
             <a:r>
-              <a:rPr lang="ru-RU" dirty="0" smtClean="0">
+              <a:rPr lang="ru-RU" dirty="0">
                 <a:solidFill>
                   <a:srgbClr val="304E39"/>
                 </a:solidFill>
@@ -4788,7 +4554,7 @@
               </a:rPr>
               <a:t>имя создаваемой директории, содержащей шаблон приложения</a:t>
             </a:r>
-            <a:endParaRPr kumimoji="0" lang="en-US" b="1" i="1" strike="noStrike" cap="none" normalizeH="0" baseline="0" dirty="0" smtClean="0">
+            <a:endParaRPr kumimoji="0" lang="en-US" b="1" i="1" strike="noStrike" cap="none" normalizeH="0" baseline="0" dirty="0">
               <a:ln>
                 <a:noFill/>
               </a:ln>
@@ -4826,7 +4592,7 @@
                 <a:spcPct val="0"/>
               </a:spcAft>
             </a:pPr>
-            <a:endParaRPr kumimoji="0" lang="en-US" b="0" i="0" strike="noStrike" cap="none" normalizeH="0" baseline="0" dirty="0" smtClean="0">
+            <a:endParaRPr kumimoji="0" lang="en-US" b="0" i="0" strike="noStrike" cap="none" normalizeH="0" baseline="0" dirty="0">
               <a:ln>
                 <a:noFill/>
               </a:ln>
@@ -4864,7 +4630,7 @@
                 <a:spcPct val="0"/>
               </a:spcAft>
             </a:pPr>
-            <a:endParaRPr kumimoji="0" lang="uk-UA" b="0" i="0" strike="noStrike" cap="none" normalizeH="0" baseline="0" dirty="0" smtClean="0">
+            <a:endParaRPr kumimoji="0" lang="uk-UA" b="0" i="0" strike="noStrike" cap="none" normalizeH="0" baseline="0" dirty="0">
               <a:ln>
                 <a:noFill/>
               </a:ln>
@@ -4874,361 +4640,6 @@
               <a:effectLst/>
               <a:latin typeface="Calibri" pitchFamily="34" charset="0"/>
               <a:cs typeface="Arial" pitchFamily="34" charset="0"/>
-            </a:endParaRPr>
-          </a:p>
-        </p:txBody>
-      </p:sp>
-    </p:spTree>
-  </p:cSld>
-  <p:clrMapOvr>
-    <a:masterClrMapping/>
-  </p:clrMapOvr>
-</p:sld>
-</file>
-
-<file path=ppt/slides/slide6.xml><?xml version="1.0" encoding="utf-8"?>
-<p:sld xmlns:a="http://schemas.openxmlformats.org/drawingml/2006/main" xmlns:r="http://schemas.openxmlformats.org/officeDocument/2006/relationships" xmlns:p="http://schemas.openxmlformats.org/presentationml/2006/main">
-  <p:cSld>
-    <p:spTree>
-      <p:nvGrpSpPr>
-        <p:cNvPr id="1" name=""/>
-        <p:cNvGrpSpPr/>
-        <p:nvPr/>
-      </p:nvGrpSpPr>
-      <p:grpSpPr>
-        <a:xfrm>
-          <a:off x="0" y="0"/>
-          <a:ext cx="0" cy="0"/>
-          <a:chOff x="0" y="0"/>
-          <a:chExt cx="0" cy="0"/>
-        </a:xfrm>
-      </p:grpSpPr>
-      <p:sp>
-        <p:nvSpPr>
-          <p:cNvPr id="2" name="Заголовок 1"/>
-          <p:cNvSpPr>
-            <a:spLocks noGrp="1"/>
-          </p:cNvSpPr>
-          <p:nvPr>
-            <p:ph type="title"/>
-          </p:nvPr>
-        </p:nvSpPr>
-        <p:spPr/>
-        <p:txBody>
-          <a:bodyPr/>
-          <a:lstStyle/>
-          <a:p>
-            <a:r>
-              <a:rPr lang="ru-RU" dirty="0" err="1" smtClean="0">
-                <a:latin typeface="Calibri" pitchFamily="34" charset="0"/>
-              </a:rPr>
-              <a:t>Веб-сервисы</a:t>
-            </a:r>
-            <a:endParaRPr lang="uk-UA" dirty="0">
-              <a:latin typeface="Calibri" pitchFamily="34" charset="0"/>
-            </a:endParaRPr>
-          </a:p>
-        </p:txBody>
-      </p:sp>
-      <p:sp>
-        <p:nvSpPr>
-          <p:cNvPr id="3" name="Текст 2"/>
-          <p:cNvSpPr>
-            <a:spLocks noGrp="1"/>
-          </p:cNvSpPr>
-          <p:nvPr>
-            <p:ph type="body" sz="quarter" idx="10"/>
-          </p:nvPr>
-        </p:nvSpPr>
-        <p:spPr>
-          <a:xfrm>
-            <a:off x="899592" y="3212976"/>
-            <a:ext cx="7128792" cy="2232248"/>
-          </a:xfrm>
-        </p:spPr>
-        <p:txBody>
-          <a:bodyPr/>
-          <a:lstStyle/>
-          <a:p>
-            <a:pPr fontAlgn="base"/>
-            <a:r>
-              <a:rPr lang="uk-UA" sz="1800" dirty="0" smtClean="0">
-                <a:latin typeface="Calibri" pitchFamily="34" charset="0"/>
-              </a:rPr>
-              <a:t>На </a:t>
-            </a:r>
-            <a:r>
-              <a:rPr lang="uk-UA" sz="1800" dirty="0" err="1" smtClean="0">
-                <a:latin typeface="Calibri" pitchFamily="34" charset="0"/>
-              </a:rPr>
-              <a:t>сегодняшний</a:t>
-            </a:r>
-            <a:r>
-              <a:rPr lang="uk-UA" sz="1800" dirty="0" smtClean="0">
-                <a:latin typeface="Calibri" pitchFamily="34" charset="0"/>
-              </a:rPr>
-              <a:t> день </a:t>
-            </a:r>
-            <a:r>
-              <a:rPr lang="uk-UA" sz="1800" dirty="0" err="1" smtClean="0">
-                <a:latin typeface="Calibri" pitchFamily="34" charset="0"/>
-              </a:rPr>
-              <a:t>наибольшее</a:t>
-            </a:r>
-            <a:r>
-              <a:rPr lang="uk-UA" sz="1800" dirty="0" smtClean="0">
-                <a:latin typeface="Calibri" pitchFamily="34" charset="0"/>
-              </a:rPr>
-              <a:t> </a:t>
-            </a:r>
-            <a:r>
-              <a:rPr lang="uk-UA" sz="1800" dirty="0" err="1" smtClean="0">
-                <a:latin typeface="Calibri" pitchFamily="34" charset="0"/>
-              </a:rPr>
-              <a:t>распространение</a:t>
-            </a:r>
-            <a:r>
-              <a:rPr lang="uk-UA" sz="1800" dirty="0" smtClean="0">
-                <a:latin typeface="Calibri" pitchFamily="34" charset="0"/>
-              </a:rPr>
-              <a:t> получили </a:t>
-            </a:r>
-            <a:r>
-              <a:rPr lang="uk-UA" sz="1800" dirty="0" err="1" smtClean="0">
-                <a:latin typeface="Calibri" pitchFamily="34" charset="0"/>
-              </a:rPr>
-              <a:t>следующие</a:t>
-            </a:r>
-            <a:r>
-              <a:rPr lang="uk-UA" sz="1800" dirty="0" smtClean="0">
-                <a:latin typeface="Calibri" pitchFamily="34" charset="0"/>
-              </a:rPr>
-              <a:t> </a:t>
-            </a:r>
-            <a:r>
-              <a:rPr lang="uk-UA" sz="1800" dirty="0" err="1" smtClean="0">
-                <a:latin typeface="Calibri" pitchFamily="34" charset="0"/>
-              </a:rPr>
-              <a:t>протоколы</a:t>
-            </a:r>
-            <a:r>
-              <a:rPr lang="uk-UA" sz="1800" dirty="0" smtClean="0">
-                <a:latin typeface="Calibri" pitchFamily="34" charset="0"/>
-              </a:rPr>
-              <a:t> </a:t>
-            </a:r>
-            <a:r>
-              <a:rPr lang="uk-UA" sz="1800" dirty="0" err="1" smtClean="0">
-                <a:latin typeface="Calibri" pitchFamily="34" charset="0"/>
-              </a:rPr>
-              <a:t>реализации</a:t>
-            </a:r>
-            <a:r>
-              <a:rPr lang="uk-UA" sz="1800" dirty="0" smtClean="0">
-                <a:latin typeface="Calibri" pitchFamily="34" charset="0"/>
-              </a:rPr>
-              <a:t> </a:t>
-            </a:r>
-            <a:r>
-              <a:rPr lang="uk-UA" sz="1800" dirty="0" err="1" smtClean="0">
-                <a:latin typeface="Calibri" pitchFamily="34" charset="0"/>
-              </a:rPr>
-              <a:t>веб-сервисов</a:t>
-            </a:r>
-            <a:r>
-              <a:rPr lang="uk-UA" sz="1800" dirty="0" smtClean="0">
-                <a:latin typeface="Calibri" pitchFamily="34" charset="0"/>
-              </a:rPr>
-              <a:t>:</a:t>
-            </a:r>
-            <a:br>
-              <a:rPr lang="uk-UA" sz="1800" dirty="0" smtClean="0">
-                <a:latin typeface="Calibri" pitchFamily="34" charset="0"/>
-              </a:rPr>
-            </a:br>
-            <a:r>
-              <a:rPr lang="uk-UA" sz="1800" dirty="0" smtClean="0">
-                <a:latin typeface="Calibri" pitchFamily="34" charset="0"/>
-              </a:rPr>
-              <a:t/>
-            </a:r>
-            <a:br>
-              <a:rPr lang="uk-UA" sz="1800" dirty="0" smtClean="0">
-                <a:latin typeface="Calibri" pitchFamily="34" charset="0"/>
-              </a:rPr>
-            </a:br>
-            <a:r>
-              <a:rPr lang="en-US" sz="1800" b="1" dirty="0" smtClean="0">
-                <a:latin typeface="Calibri" pitchFamily="34" charset="0"/>
-              </a:rPr>
-              <a:t>SOAP </a:t>
-            </a:r>
-            <a:r>
-              <a:rPr lang="en-US" sz="1800" dirty="0" smtClean="0">
-                <a:latin typeface="Calibri" pitchFamily="34" charset="0"/>
-              </a:rPr>
-              <a:t>(Simple Object Access Protocol) — </a:t>
-            </a:r>
-            <a:r>
-              <a:rPr lang="uk-UA" sz="1800" dirty="0" smtClean="0">
-                <a:latin typeface="Calibri" pitchFamily="34" charset="0"/>
-              </a:rPr>
-              <a:t>по </a:t>
-            </a:r>
-            <a:r>
-              <a:rPr lang="uk-UA" sz="1800" dirty="0" err="1" smtClean="0">
-                <a:latin typeface="Calibri" pitchFamily="34" charset="0"/>
-              </a:rPr>
-              <a:t>сути</a:t>
-            </a:r>
-            <a:r>
-              <a:rPr lang="uk-UA" sz="1800" dirty="0" smtClean="0">
-                <a:latin typeface="Calibri" pitchFamily="34" charset="0"/>
-              </a:rPr>
-              <a:t> </a:t>
-            </a:r>
-            <a:r>
-              <a:rPr lang="uk-UA" sz="1800" dirty="0" err="1" smtClean="0">
-                <a:latin typeface="Calibri" pitchFamily="34" charset="0"/>
-              </a:rPr>
-              <a:t>это</a:t>
-            </a:r>
-            <a:r>
-              <a:rPr lang="uk-UA" sz="1800" dirty="0" smtClean="0">
-                <a:latin typeface="Calibri" pitchFamily="34" charset="0"/>
-              </a:rPr>
-              <a:t> тройка </a:t>
-            </a:r>
-            <a:r>
-              <a:rPr lang="uk-UA" sz="1800" dirty="0" err="1" smtClean="0">
-                <a:latin typeface="Calibri" pitchFamily="34" charset="0"/>
-              </a:rPr>
-              <a:t>стандартов</a:t>
-            </a:r>
-            <a:r>
-              <a:rPr lang="uk-UA" sz="1800" dirty="0" smtClean="0">
-                <a:latin typeface="Calibri" pitchFamily="34" charset="0"/>
-              </a:rPr>
-              <a:t> </a:t>
-            </a:r>
-            <a:r>
-              <a:rPr lang="en-US" sz="1800" dirty="0" smtClean="0">
-                <a:latin typeface="Calibri" pitchFamily="34" charset="0"/>
-              </a:rPr>
-              <a:t>SOAP/WSDL/UDDI</a:t>
-            </a:r>
-          </a:p>
-          <a:p>
-            <a:pPr fontAlgn="base"/>
-            <a:r>
-              <a:rPr lang="en-US" sz="1800" b="1" dirty="0" smtClean="0">
-                <a:latin typeface="Calibri" pitchFamily="34" charset="0"/>
-              </a:rPr>
-              <a:t>REST </a:t>
-            </a:r>
-            <a:r>
-              <a:rPr lang="en-US" sz="1800" dirty="0" smtClean="0">
-                <a:latin typeface="Calibri" pitchFamily="34" charset="0"/>
-              </a:rPr>
-              <a:t>(Representational State Transfer)</a:t>
-            </a:r>
-          </a:p>
-          <a:p>
-            <a:pPr fontAlgn="base"/>
-            <a:r>
-              <a:rPr lang="en-US" sz="1800" b="1" dirty="0" smtClean="0">
-                <a:latin typeface="Calibri" pitchFamily="34" charset="0"/>
-              </a:rPr>
-              <a:t>XML-RPC</a:t>
-            </a:r>
-            <a:r>
-              <a:rPr lang="en-US" sz="1800" dirty="0" smtClean="0">
-                <a:latin typeface="Calibri" pitchFamily="34" charset="0"/>
-              </a:rPr>
-              <a:t> (XML Remote Procedure Call)</a:t>
-            </a:r>
-            <a:r>
-              <a:rPr lang="ru-RU" sz="1800" dirty="0" smtClean="0">
-                <a:latin typeface="Calibri" pitchFamily="34" charset="0"/>
-              </a:rPr>
-              <a:t> </a:t>
-            </a:r>
-            <a:r>
-              <a:rPr lang="en-US" sz="1800" dirty="0" smtClean="0">
-                <a:latin typeface="Calibri" pitchFamily="34" charset="0"/>
-              </a:rPr>
-              <a:t/>
-            </a:r>
-            <a:br>
-              <a:rPr lang="en-US" sz="1800" dirty="0" smtClean="0">
-                <a:latin typeface="Calibri" pitchFamily="34" charset="0"/>
-              </a:rPr>
-            </a:br>
-            <a:endParaRPr lang="uk-UA" sz="1800" dirty="0">
-              <a:latin typeface="Calibri" pitchFamily="34" charset="0"/>
-            </a:endParaRPr>
-          </a:p>
-        </p:txBody>
-      </p:sp>
-      <p:sp>
-        <p:nvSpPr>
-          <p:cNvPr id="4" name="TextBox 3"/>
-          <p:cNvSpPr txBox="1"/>
-          <p:nvPr/>
-        </p:nvSpPr>
-        <p:spPr>
-          <a:xfrm>
-            <a:off x="539552" y="1772816"/>
-            <a:ext cx="7848872" cy="1200329"/>
-          </a:xfrm>
-          <a:prstGeom prst="rect">
-            <a:avLst/>
-          </a:prstGeom>
-          <a:noFill/>
-        </p:spPr>
-        <p:txBody>
-          <a:bodyPr wrap="square" rtlCol="0">
-            <a:spAutoFit/>
-          </a:bodyPr>
-          <a:lstStyle/>
-          <a:p>
-            <a:r>
-              <a:rPr lang="ru-RU" b="1" dirty="0" err="1">
-                <a:latin typeface="Calibri" pitchFamily="34" charset="0"/>
-              </a:rPr>
-              <a:t>В</a:t>
-            </a:r>
-            <a:r>
-              <a:rPr lang="ru-RU" b="1" dirty="0" err="1" smtClean="0">
-                <a:latin typeface="Calibri" pitchFamily="34" charset="0"/>
-              </a:rPr>
-              <a:t>еб-сервисы</a:t>
-            </a:r>
-            <a:r>
-              <a:rPr lang="ru-RU" dirty="0" smtClean="0">
-                <a:latin typeface="Calibri" pitchFamily="34" charset="0"/>
-              </a:rPr>
-              <a:t> </a:t>
-            </a:r>
-            <a:r>
-              <a:rPr lang="ru-RU" dirty="0">
-                <a:latin typeface="Calibri" pitchFamily="34" charset="0"/>
-              </a:rPr>
-              <a:t>— это реализация абсолютно четких интерфейсов обмена данными между различными приложениями, которые написаны не только на разных языках, но и распределены на разных узлах сети.</a:t>
-            </a:r>
-            <a:r>
-              <a:rPr lang="ru-RU" dirty="0" smtClean="0">
-                <a:latin typeface="Calibri" pitchFamily="34" charset="0"/>
-              </a:rPr>
-              <a:t/>
-            </a:r>
-            <a:br>
-              <a:rPr lang="ru-RU" dirty="0" smtClean="0">
-                <a:latin typeface="Calibri" pitchFamily="34" charset="0"/>
-              </a:rPr>
-            </a:br>
-            <a:endParaRPr lang="uk-UA" dirty="0">
-              <a:latin typeface="Calibri" pitchFamily="34" charset="0"/>
             </a:endParaRPr>
           </a:p>
         </p:txBody>
